--- a/Docker workshop at Belfast JUG slides.pptx
+++ b/Docker workshop at Belfast JUG slides.pptx
@@ -6890,10 +6890,10 @@
       </p:sp>
       <p:pic>
         <p:nvPicPr>
-          <p:cNvPr id="5" name="Picture 4">
+          <p:cNvPr id="4" name="Picture 3">
             <a:extLst>
               <a:ext uri="{FF2B5EF4-FFF2-40B4-BE49-F238E27FC236}">
-                <a16:creationId xmlns:a16="http://schemas.microsoft.com/office/drawing/2014/main" id="{01B2C91A-8C4B-4FB4-8F14-F5EF92E73A9F}"/>
+                <a16:creationId xmlns:a16="http://schemas.microsoft.com/office/drawing/2014/main" id="{AAABBD40-F8F8-41D2-9C1F-70CAA1D3D3EE}"/>
               </a:ext>
             </a:extLst>
           </p:cNvPr>
@@ -6910,8 +6910,8 @@
         </p:blipFill>
         <p:spPr>
           <a:xfrm>
-            <a:off x="1404937" y="1919964"/>
-            <a:ext cx="6755507" cy="4938036"/>
+            <a:off x="1777721" y="1875118"/>
+            <a:ext cx="6275146" cy="4982882"/>
           </a:xfrm>
           <a:prstGeom prst="rect">
             <a:avLst/>
